--- a/PRES.pptx
+++ b/PRES.pptx
@@ -112,6 +112,11 @@
       </a:defRPr>
     </a:lvl9pPr>
   </p:defaultTextStyle>
+  <p:extLst>
+    <p:ext uri="{EFAFB233-063F-42B5-8137-9DF3F51BA10A}">
+      <p15:sldGuideLst xmlns:p15="http://schemas.microsoft.com/office/powerpoint/2012/main"/>
+    </p:ext>
+  </p:extLst>
 </p:presentation>
 </file>
 
@@ -3231,7 +3236,6 @@
               <a:rPr lang="en-US" dirty="0" smtClean="0"/>
               <a:t>: 66</a:t>
             </a:r>
-            <a:endParaRPr lang="en-US" dirty="0" smtClean="0"/>
           </a:p>
           <a:p>
             <a:r>
@@ -3244,7 +3248,11 @@
             </a:r>
             <a:r>
               <a:rPr lang="en-US" dirty="0" smtClean="0"/>
-              <a:t>: 22</a:t>
+              <a:t>: </a:t>
+            </a:r>
+            <a:r>
+              <a:rPr lang="en-US" dirty="0" smtClean="0"/>
+              <a:t>25</a:t>
             </a:r>
             <a:endParaRPr lang="en-US" dirty="0" smtClean="0"/>
           </a:p>
@@ -4164,7 +4172,15 @@
             </a:r>
             <a:r>
               <a:rPr lang="en-US" dirty="0" smtClean="0"/>
-              <a:t> cask </a:t>
+              <a:t> </a:t>
+            </a:r>
+            <a:r>
+              <a:rPr lang="en-US" dirty="0" err="1" smtClean="0"/>
+              <a:t>csak</a:t>
+            </a:r>
+            <a:r>
+              <a:rPr lang="en-US" dirty="0" smtClean="0"/>
+              <a:t> </a:t>
             </a:r>
             <a:r>
               <a:rPr lang="en-US" dirty="0" err="1" smtClean="0"/>
